--- a/android/activity/implicit/doc/slides.pptx
+++ b/android/activity/implicit/doc/slides.pptx
@@ -110,6 +110,11 @@
       </a:defRPr>
     </a:lvl9pPr>
   </p:defaultTextStyle>
+  <p:extLst>
+    <p:ext uri="{EFAFB233-063F-42B5-8137-9DF3F51BA10A}">
+      <p15:sldGuideLst xmlns:p15="http://schemas.microsoft.com/office/powerpoint/2012/main"/>
+    </p:ext>
+  </p:extLst>
 </p:presentation>
 </file>
 
@@ -195,7 +200,7 @@
           <a:p>
             <a:fld id="{905EE928-9E2B-4389-887A-8FE767D76324}" type="datetimeFigureOut">
               <a:rPr lang="en-US" smtClean="0"/>
-              <a:t>7/30/2015</a:t>
+              <a:t>8/6/2015</a:t>
             </a:fld>
             <a:endParaRPr lang="en-US"/>
           </a:p>
@@ -3532,7 +3537,15 @@
           <a:p>
             <a:r>
               <a:rPr lang="en-US" dirty="0" smtClean="0"/>
-              <a:t>Android – Activities (Implicit)</a:t>
+              <a:t>Android </a:t>
+            </a:r>
+            <a:r>
+              <a:rPr lang="en-US" smtClean="0"/>
+              <a:t>– Activities (Implicit</a:t>
+            </a:r>
+            <a:r>
+              <a:rPr lang="en-US" dirty="0" smtClean="0"/>
+              <a:t>)</a:t>
             </a:r>
             <a:endParaRPr lang="en-US" dirty="0"/>
           </a:p>
@@ -3867,9 +3880,111 @@
           </a:p>
         </p:txBody>
       </p:sp>
+      <p:sp>
+        <p:nvSpPr>
+          <p:cNvPr id="9" name="Shape 28"/>
+          <p:cNvSpPr txBox="1"/>
+          <p:nvPr/>
+        </p:nvSpPr>
+        <p:spPr>
+          <a:xfrm>
+            <a:off x="1793971" y="5164183"/>
+            <a:ext cx="3657600" cy="587999"/>
+          </a:xfrm>
+          <a:prstGeom prst="rect">
+            <a:avLst/>
+          </a:prstGeom>
+          <a:noFill/>
+          <a:ln>
+            <a:noFill/>
+          </a:ln>
+        </p:spPr>
+        <p:txBody>
+          <a:bodyPr lIns="91425" tIns="91425" rIns="91425" bIns="91425" anchor="t" anchorCtr="0">
+            <a:noAutofit/>
+          </a:bodyPr>
+          <a:lstStyle/>
+          <a:p>
+            <a:pPr algn="ctr">
+              <a:spcBef>
+                <a:spcPts val="0"/>
+              </a:spcBef>
+              <a:buNone/>
+            </a:pPr>
+            <a:r>
+              <a:rPr lang="en-US" sz="1600" dirty="0"/>
+              <a:t>Running </a:t>
+            </a:r>
+            <a:r>
+              <a:rPr lang="en-US" sz="1600" dirty="0" err="1"/>
+              <a:t>ActivitySwitchImplicit</a:t>
+            </a:r>
+            <a:r>
+              <a:rPr lang="en-US" sz="1600" dirty="0"/>
+              <a:t> without installing </a:t>
+            </a:r>
+            <a:r>
+              <a:rPr lang="en-US" sz="1600" dirty="0" err="1"/>
+              <a:t>ActivitySwitchImplicitGreen</a:t>
+            </a:r>
+            <a:endParaRPr lang="en-US" sz="1600" dirty="0"/>
+          </a:p>
+        </p:txBody>
+      </p:sp>
+      <p:sp>
+        <p:nvSpPr>
+          <p:cNvPr id="10" name="Shape 29"/>
+          <p:cNvSpPr txBox="1"/>
+          <p:nvPr/>
+        </p:nvSpPr>
+        <p:spPr>
+          <a:xfrm>
+            <a:off x="6004431" y="5199017"/>
+            <a:ext cx="3657600" cy="587999"/>
+          </a:xfrm>
+          <a:prstGeom prst="rect">
+            <a:avLst/>
+          </a:prstGeom>
+          <a:noFill/>
+          <a:ln>
+            <a:noFill/>
+          </a:ln>
+        </p:spPr>
+        <p:txBody>
+          <a:bodyPr lIns="91425" tIns="91425" rIns="91425" bIns="91425" anchor="t" anchorCtr="0">
+            <a:noAutofit/>
+          </a:bodyPr>
+          <a:lstStyle/>
+          <a:p>
+            <a:pPr lvl="0" algn="ctr" rtl="0">
+              <a:spcBef>
+                <a:spcPts val="0"/>
+              </a:spcBef>
+              <a:buNone/>
+            </a:pPr>
+            <a:r>
+              <a:rPr lang="en-US" dirty="0"/>
+              <a:t>Running </a:t>
+            </a:r>
+            <a:r>
+              <a:rPr lang="en-US" dirty="0" err="1"/>
+              <a:t>ActivitySwitchImplicit</a:t>
+            </a:r>
+            <a:r>
+              <a:rPr lang="en-US" dirty="0"/>
+              <a:t> after installing </a:t>
+            </a:r>
+            <a:r>
+              <a:rPr lang="en-US" dirty="0" err="1"/>
+              <a:t>ActivitySwitchImplicitGreen</a:t>
+            </a:r>
+            <a:endParaRPr lang="en-US" dirty="0"/>
+          </a:p>
+        </p:txBody>
+      </p:sp>
       <p:pic>
         <p:nvPicPr>
-          <p:cNvPr id="7" name="Picture 6"/>
+          <p:cNvPr id="2" name="Picture 1"/>
           <p:cNvPicPr>
             <a:picLocks noChangeAspect="1"/>
           </p:cNvPicPr>
@@ -3889,8 +4004,8 @@
         </p:blipFill>
         <p:spPr>
           <a:xfrm>
-            <a:off x="1693959" y="182562"/>
-            <a:ext cx="3857625" cy="4981621"/>
+            <a:off x="2280562" y="182562"/>
+            <a:ext cx="2684417" cy="4772297"/>
           </a:xfrm>
           <a:prstGeom prst="rect">
             <a:avLst/>
@@ -3913,7 +4028,7 @@
       </p:pic>
       <p:pic>
         <p:nvPicPr>
-          <p:cNvPr id="8" name="Picture 7"/>
+          <p:cNvPr id="3" name="Picture 2"/>
           <p:cNvPicPr>
             <a:picLocks noChangeAspect="1"/>
           </p:cNvPicPr>
@@ -3933,8 +4048,8 @@
         </p:blipFill>
         <p:spPr>
           <a:xfrm>
-            <a:off x="5904419" y="182562"/>
-            <a:ext cx="3857625" cy="4981621"/>
+            <a:off x="6535920" y="182562"/>
+            <a:ext cx="2684417" cy="4772297"/>
           </a:xfrm>
           <a:prstGeom prst="rect">
             <a:avLst/>
@@ -3955,108 +4070,6 @@
           </a:fontRef>
         </p:style>
       </p:pic>
-      <p:sp>
-        <p:nvSpPr>
-          <p:cNvPr id="9" name="Shape 28"/>
-          <p:cNvSpPr txBox="1"/>
-          <p:nvPr/>
-        </p:nvSpPr>
-        <p:spPr>
-          <a:xfrm>
-            <a:off x="1793971" y="5164183"/>
-            <a:ext cx="3657600" cy="587999"/>
-          </a:xfrm>
-          <a:prstGeom prst="rect">
-            <a:avLst/>
-          </a:prstGeom>
-          <a:noFill/>
-          <a:ln>
-            <a:noFill/>
-          </a:ln>
-        </p:spPr>
-        <p:txBody>
-          <a:bodyPr lIns="91425" tIns="91425" rIns="91425" bIns="91425" anchor="t" anchorCtr="0">
-            <a:noAutofit/>
-          </a:bodyPr>
-          <a:lstStyle/>
-          <a:p>
-            <a:pPr algn="ctr">
-              <a:spcBef>
-                <a:spcPts val="0"/>
-              </a:spcBef>
-              <a:buNone/>
-            </a:pPr>
-            <a:r>
-              <a:rPr lang="en-US" sz="1600" dirty="0"/>
-              <a:t>Running </a:t>
-            </a:r>
-            <a:r>
-              <a:rPr lang="en-US" sz="1600" dirty="0" err="1"/>
-              <a:t>ActivitySwitchImplicit</a:t>
-            </a:r>
-            <a:r>
-              <a:rPr lang="en-US" sz="1600" dirty="0"/>
-              <a:t> without installing </a:t>
-            </a:r>
-            <a:r>
-              <a:rPr lang="en-US" sz="1600" dirty="0" err="1"/>
-              <a:t>ActivitySwitchImplicitGreen</a:t>
-            </a:r>
-            <a:endParaRPr lang="en-US" sz="1600" dirty="0"/>
-          </a:p>
-        </p:txBody>
-      </p:sp>
-      <p:sp>
-        <p:nvSpPr>
-          <p:cNvPr id="10" name="Shape 29"/>
-          <p:cNvSpPr txBox="1"/>
-          <p:nvPr/>
-        </p:nvSpPr>
-        <p:spPr>
-          <a:xfrm>
-            <a:off x="6004431" y="5199017"/>
-            <a:ext cx="3657600" cy="587999"/>
-          </a:xfrm>
-          <a:prstGeom prst="rect">
-            <a:avLst/>
-          </a:prstGeom>
-          <a:noFill/>
-          <a:ln>
-            <a:noFill/>
-          </a:ln>
-        </p:spPr>
-        <p:txBody>
-          <a:bodyPr lIns="91425" tIns="91425" rIns="91425" bIns="91425" anchor="t" anchorCtr="0">
-            <a:noAutofit/>
-          </a:bodyPr>
-          <a:lstStyle/>
-          <a:p>
-            <a:pPr lvl="0" algn="ctr" rtl="0">
-              <a:spcBef>
-                <a:spcPts val="0"/>
-              </a:spcBef>
-              <a:buNone/>
-            </a:pPr>
-            <a:r>
-              <a:rPr lang="en-US" dirty="0"/>
-              <a:t>Running </a:t>
-            </a:r>
-            <a:r>
-              <a:rPr lang="en-US" dirty="0" err="1"/>
-              <a:t>ActivitySwitchImplicit</a:t>
-            </a:r>
-            <a:r>
-              <a:rPr lang="en-US" dirty="0"/>
-              <a:t> after installing </a:t>
-            </a:r>
-            <a:r>
-              <a:rPr lang="en-US" dirty="0" err="1"/>
-              <a:t>ActivitySwitchImplicitGreen</a:t>
-            </a:r>
-            <a:endParaRPr lang="en-US" dirty="0"/>
-          </a:p>
-        </p:txBody>
-      </p:sp>
     </p:spTree>
     <p:extLst>
       <p:ext uri="{BB962C8B-B14F-4D97-AF65-F5344CB8AC3E}">

--- a/android/activity/implicit/doc/slides.pptx
+++ b/android/activity/implicit/doc/slides.pptx
@@ -200,7 +200,7 @@
           <a:p>
             <a:fld id="{905EE928-9E2B-4389-887A-8FE767D76324}" type="datetimeFigureOut">
               <a:rPr lang="en-US" smtClean="0"/>
-              <a:t>8/6/2015</a:t>
+              <a:t>8/9/2015</a:t>
             </a:fld>
             <a:endParaRPr lang="en-US"/>
           </a:p>
@@ -3888,7 +3888,7 @@
         </p:nvSpPr>
         <p:spPr>
           <a:xfrm>
-            <a:off x="1793971" y="5164183"/>
+            <a:off x="1994811" y="5668960"/>
             <a:ext cx="3657600" cy="587999"/>
           </a:xfrm>
           <a:prstGeom prst="rect">
@@ -3939,7 +3939,7 @@
         </p:nvSpPr>
         <p:spPr>
           <a:xfrm>
-            <a:off x="6004431" y="5199017"/>
+            <a:off x="6250169" y="5668961"/>
             <a:ext cx="3657600" cy="587999"/>
           </a:xfrm>
           <a:prstGeom prst="rect">
@@ -4004,8 +4004,8 @@
         </p:blipFill>
         <p:spPr>
           <a:xfrm>
-            <a:off x="2280562" y="182562"/>
-            <a:ext cx="2684417" cy="4772297"/>
+            <a:off x="2280561" y="182561"/>
+            <a:ext cx="3086100" cy="5486400"/>
           </a:xfrm>
           <a:prstGeom prst="rect">
             <a:avLst/>
@@ -4048,8 +4048,8 @@
         </p:blipFill>
         <p:spPr>
           <a:xfrm>
-            <a:off x="6535920" y="182562"/>
-            <a:ext cx="2684417" cy="4772297"/>
+            <a:off x="6535919" y="182561"/>
+            <a:ext cx="3086100" cy="5486400"/>
           </a:xfrm>
           <a:prstGeom prst="rect">
             <a:avLst/>
